--- a/ppt/PyQt05-QtDesigner.pptx
+++ b/ppt/PyQt05-QtDesigner.pptx
@@ -988,10 +988,6 @@
             <a:br>
               <a:rPr lang="en-US" baseline="0" dirty="0"/>
             </a:br>
-            <a:r>
-              <a:rPr lang="en-US" baseline="0" dirty="0"/>
-              <a:t/>
-            </a:r>
             <a:br>
               <a:rPr lang="en-US" baseline="0" dirty="0"/>
             </a:br>
@@ -1178,10 +1174,6 @@
             <a:br>
               <a:rPr lang="en-GB" dirty="0"/>
             </a:br>
-            <a:r>
-              <a:rPr lang="en-GB" dirty="0"/>
-              <a:t/>
-            </a:r>
             <a:br>
               <a:rPr lang="en-GB" dirty="0"/>
             </a:br>
@@ -1208,10 +1200,6 @@
             <a:br>
               <a:rPr lang="en-GB" baseline="0" dirty="0"/>
             </a:br>
-            <a:r>
-              <a:rPr lang="en-GB" baseline="0" dirty="0"/>
-              <a:t/>
-            </a:r>
             <a:br>
               <a:rPr lang="en-GB" baseline="0" dirty="0"/>
             </a:br>
@@ -1222,10 +1210,6 @@
             <a:r>
               <a:rPr lang="en-GB" baseline="0" dirty="0" err="1"/>
               <a:t>flie</a:t>
-            </a:r>
-            <a:r>
-              <a:rPr lang="en-GB" baseline="0" dirty="0"/>
-              <a:t/>
             </a:r>
             <a:br>
               <a:rPr lang="en-GB" baseline="0" dirty="0"/>
@@ -4259,13 +4243,6 @@
   <p:clrMapOvr>
     <a:masterClrMapping/>
   </p:clrMapOvr>
-  <p:timing>
-    <p:tnLst>
-      <p:par>
-        <p:cTn id="1" dur="indefinite" restart="never" nodeType="tmRoot"/>
-      </p:par>
-    </p:tnLst>
-  </p:timing>
 </p:sld>
 </file>
 
@@ -4373,13 +4350,6 @@
   <p:clrMapOvr>
     <a:masterClrMapping/>
   </p:clrMapOvr>
-  <p:timing>
-    <p:tnLst>
-      <p:par>
-        <p:cTn id="1" dur="indefinite" restart="never" nodeType="tmRoot"/>
-      </p:par>
-    </p:tnLst>
-  </p:timing>
 </p:sld>
 </file>
 
@@ -4522,7 +4492,7 @@
             <a:fld id="{B4BFD808-6B56-4447-9401-2398D08EE3C0}" type="datetime1">
               <a:rPr lang="en-US" smtClean="0"/>
               <a:pPr/>
-              <a:t>6/19/2024</a:t>
+              <a:t>5/22/2025</a:t>
             </a:fld>
             <a:endParaRPr lang="en-US" dirty="0"/>
           </a:p>
@@ -4839,10 +4809,6 @@
             <a:br>
               <a:rPr lang="en-GB" dirty="0"/>
             </a:br>
-            <a:r>
-              <a:rPr lang="en-GB" dirty="0"/>
-              <a:t/>
-            </a:r>
             <a:br>
               <a:rPr lang="en-GB" dirty="0"/>
             </a:br>
@@ -5065,13 +5031,6 @@
   <p:clrMapOvr>
     <a:masterClrMapping/>
   </p:clrMapOvr>
-  <p:timing>
-    <p:tnLst>
-      <p:par>
-        <p:cTn id="1" dur="indefinite" restart="never" nodeType="tmRoot"/>
-      </p:par>
-    </p:tnLst>
-  </p:timing>
 </p:sld>
 </file>
 
@@ -5181,13 +5140,6 @@
   <p:clrMapOvr>
     <a:masterClrMapping/>
   </p:clrMapOvr>
-  <p:timing>
-    <p:tnLst>
-      <p:par>
-        <p:cTn id="1" dur="indefinite" restart="never" nodeType="tmRoot"/>
-      </p:par>
-    </p:tnLst>
-  </p:timing>
 </p:sld>
 </file>
 
@@ -5224,10 +5176,9 @@
           <a:lstStyle/>
           <a:p>
             <a:r>
-              <a:rPr lang="fr-FR" dirty="0" smtClean="0"/>
+              <a:rPr lang="fr-FR" dirty="0"/>
               <a:t>UI</a:t>
             </a:r>
-            <a:endParaRPr lang="fr-FR" dirty="0"/>
           </a:p>
         </p:txBody>
       </p:sp>
@@ -5247,26 +5198,26 @@
           <a:lstStyle/>
           <a:p>
             <a:r>
-              <a:rPr lang="fr-FR" dirty="0" smtClean="0"/>
+              <a:rPr lang="fr-FR" dirty="0"/>
               <a:t>Sauvegarder le .</a:t>
             </a:r>
             <a:r>
-              <a:rPr lang="fr-FR" dirty="0" err="1" smtClean="0"/>
+              <a:rPr lang="fr-FR" dirty="0" err="1"/>
               <a:t>ui</a:t>
             </a:r>
             <a:r>
-              <a:rPr lang="fr-FR" dirty="0" smtClean="0"/>
+              <a:rPr lang="fr-FR" dirty="0"/>
               <a:t> dans le répertoire </a:t>
             </a:r>
             <a:r>
-              <a:rPr lang="fr-FR" dirty="0" err="1" smtClean="0"/>
+              <a:rPr lang="fr-FR" dirty="0" err="1"/>
               <a:t>ui</a:t>
             </a:r>
-            <a:endParaRPr lang="fr-FR" dirty="0" smtClean="0"/>
-          </a:p>
-          <a:p>
-            <a:r>
-              <a:rPr lang="fr-FR" dirty="0" smtClean="0"/>
+            <a:endParaRPr lang="fr-FR" dirty="0"/>
+          </a:p>
+          <a:p>
+            <a:r>
+              <a:rPr lang="fr-FR" dirty="0"/>
               <a:t>Chargement de l’UI</a:t>
             </a:r>
           </a:p>
@@ -5293,24 +5244,19 @@
             </a:r>
             <a:r>
               <a:rPr lang="fr-FR" dirty="0"/>
-              <a:t>', self</a:t>
-            </a:r>
-            <a:r>
-              <a:rPr lang="fr-FR" dirty="0" smtClean="0"/>
-              <a:t>)</a:t>
+              <a:t>', self)</a:t>
             </a:r>
           </a:p>
           <a:p>
             <a:pPr lvl="1"/>
             <a:r>
-              <a:rPr lang="fr-FR" dirty="0" smtClean="0"/>
+              <a:rPr lang="fr-FR" dirty="0"/>
               <a:t>Perte de </a:t>
             </a:r>
             <a:r>
-              <a:rPr lang="fr-FR" smtClean="0"/>
+              <a:rPr lang="fr-FR"/>
               <a:t>l’intellisense</a:t>
             </a:r>
-            <a:endParaRPr lang="fr-FR"/>
           </a:p>
         </p:txBody>
       </p:sp>
@@ -5451,13 +5397,6 @@
   <p:clrMapOvr>
     <a:masterClrMapping/>
   </p:clrMapOvr>
-  <p:timing>
-    <p:tnLst>
-      <p:par>
-        <p:cTn id="1" dur="indefinite" restart="never" nodeType="tmRoot"/>
-      </p:par>
-    </p:tnLst>
-  </p:timing>
 </p:sld>
 </file>
 
@@ -5585,8 +5524,8 @@
           </a:p>
           <a:p>
             <a:r>
-              <a:rPr lang="fr-FR" dirty="0"/>
-              <a:t>pyuic6 </a:t>
+              <a:rPr lang="fr-FR"/>
+              <a:t>pyuic </a:t>
             </a:r>
             <a:r>
               <a:rPr lang="fr-FR" dirty="0" err="1"/>
@@ -5600,7 +5539,7 @@
           <a:p>
             <a:r>
               <a:rPr lang="fr-FR" dirty="0"/>
-              <a:t>Python –m pyuic6 …</a:t>
+              <a:t>Python –m PyQt6.uic.pyuic …</a:t>
             </a:r>
           </a:p>
           <a:p>
@@ -5643,13 +5582,6 @@
   <p:clrMapOvr>
     <a:masterClrMapping/>
   </p:clrMapOvr>
-  <p:timing>
-    <p:tnLst>
-      <p:par>
-        <p:cTn id="1" dur="indefinite" restart="never" nodeType="tmRoot"/>
-      </p:par>
-    </p:tnLst>
-  </p:timing>
 </p:sld>
 </file>
 
@@ -5821,7 +5753,7 @@
             <a:fld id="{B4BFD808-6B56-4447-9401-2398D08EE3C0}" type="datetime1">
               <a:rPr lang="en-US" smtClean="0"/>
               <a:pPr/>
-              <a:t>6/19/2024</a:t>
+              <a:t>5/22/2025</a:t>
             </a:fld>
             <a:endParaRPr lang="en-US" dirty="0"/>
           </a:p>
@@ -6369,13 +6301,6 @@
   <p:clrMapOvr>
     <a:masterClrMapping/>
   </p:clrMapOvr>
-  <p:timing>
-    <p:tnLst>
-      <p:par>
-        <p:cTn id="1" dur="indefinite" restart="never" nodeType="tmRoot"/>
-      </p:par>
-    </p:tnLst>
-  </p:timing>
 </p:sld>
 </file>
 
@@ -6697,7 +6622,7 @@
             <a:fld id="{B4BFD808-6B56-4447-9401-2398D08EE3C0}" type="datetime1">
               <a:rPr lang="en-US" smtClean="0"/>
               <a:pPr/>
-              <a:t>6/19/2024</a:t>
+              <a:t>5/22/2025</a:t>
             </a:fld>
             <a:endParaRPr lang="en-US" dirty="0"/>
           </a:p>
@@ -7002,13 +6927,6 @@
   <p:clrMapOvr>
     <a:masterClrMapping/>
   </p:clrMapOvr>
-  <p:timing>
-    <p:tnLst>
-      <p:par>
-        <p:cTn id="1" dur="indefinite" restart="never" nodeType="tmRoot"/>
-      </p:par>
-    </p:tnLst>
-  </p:timing>
 </p:sld>
 </file>
 

--- a/ppt/PyQt05-QtDesigner.pptx
+++ b/ppt/PyQt05-QtDesigner.pptx
@@ -5524,8 +5524,12 @@
           </a:p>
           <a:p>
             <a:r>
-              <a:rPr lang="fr-FR"/>
-              <a:t>pyuic </a:t>
+              <a:rPr lang="fr-FR" dirty="0" err="1"/>
+              <a:t>pyuic</a:t>
+            </a:r>
+            <a:r>
+              <a:rPr lang="fr-FR" dirty="0"/>
+              <a:t> </a:t>
             </a:r>
             <a:r>
               <a:rPr lang="fr-FR" dirty="0" err="1"/>

--- a/ppt/PyQt05-QtDesigner.pptx
+++ b/ppt/PyQt05-QtDesigner.pptx
@@ -4492,7 +4492,7 @@
             <a:fld id="{B4BFD808-6B56-4447-9401-2398D08EE3C0}" type="datetime1">
               <a:rPr lang="en-US" smtClean="0"/>
               <a:pPr/>
-              <a:t>5/22/2025</a:t>
+              <a:t>6/20/2025</a:t>
             </a:fld>
             <a:endParaRPr lang="en-US" dirty="0"/>
           </a:p>
@@ -5542,8 +5542,12 @@
           </a:p>
           <a:p>
             <a:r>
+              <a:rPr lang="fr-FR"/>
+              <a:t>Python -m </a:t>
+            </a:r>
+            <a:r>
               <a:rPr lang="fr-FR" dirty="0"/>
-              <a:t>Python –m PyQt6.uic.pyuic …</a:t>
+              <a:t>PyQt6.uic.pyuic …</a:t>
             </a:r>
           </a:p>
           <a:p>
@@ -5757,7 +5761,7 @@
             <a:fld id="{B4BFD808-6B56-4447-9401-2398D08EE3C0}" type="datetime1">
               <a:rPr lang="en-US" smtClean="0"/>
               <a:pPr/>
-              <a:t>5/22/2025</a:t>
+              <a:t>6/20/2025</a:t>
             </a:fld>
             <a:endParaRPr lang="en-US" dirty="0"/>
           </a:p>
@@ -6626,7 +6630,7 @@
             <a:fld id="{B4BFD808-6B56-4447-9401-2398D08EE3C0}" type="datetime1">
               <a:rPr lang="en-US" smtClean="0"/>
               <a:pPr/>
-              <a:t>5/22/2025</a:t>
+              <a:t>6/20/2025</a:t>
             </a:fld>
             <a:endParaRPr lang="en-US" dirty="0"/>
           </a:p>
